--- a/Presentation.pptx
+++ b/Presentation.pptx
@@ -7,8 +7,10 @@
   <p:sldIdLst>
     <p:sldId id="256" r:id="rId2"/>
     <p:sldId id="257" r:id="rId3"/>
-    <p:sldId id="258" r:id="rId4"/>
-    <p:sldId id="259" r:id="rId5"/>
+    <p:sldId id="260" r:id="rId4"/>
+    <p:sldId id="258" r:id="rId5"/>
+    <p:sldId id="261" r:id="rId6"/>
+    <p:sldId id="259" r:id="rId7"/>
   </p:sldIdLst>
   <p:sldSz cx="9144000" cy="6858000" type="screen4x3"/>
   <p:notesSz cx="6858000" cy="9144000"/>
@@ -241,6 +243,7 @@
           <a:p>
             <a:fld id="{CD61B48C-D83E-47F8-8257-20FB6A251A6E}" type="datetimeFigureOut">
               <a:rPr lang="uk-UA" smtClean="0"/>
+              <a:pPr/>
               <a:t>06.02.2016</a:t>
             </a:fld>
             <a:endParaRPr lang="uk-UA"/>
@@ -283,6 +286,7 @@
           <a:p>
             <a:fld id="{7F87EA48-9659-47E7-853E-515DF1C481F2}" type="slidenum">
               <a:rPr lang="uk-UA" smtClean="0"/>
+              <a:pPr/>
               <a:t>‹#›</a:t>
             </a:fld>
             <a:endParaRPr lang="uk-UA"/>
@@ -292,7 +296,7 @@
     </p:spTree>
     <p:extLst>
       <p:ext uri="{BB962C8B-B14F-4D97-AF65-F5344CB8AC3E}">
-        <p14:creationId xmlns:p14="http://schemas.microsoft.com/office/powerpoint/2010/main" val="2540866421"/>
+        <p14:creationId xmlns:p14="http://schemas.microsoft.com/office/powerpoint/2010/main" xmlns="" val="2540866421"/>
       </p:ext>
     </p:extLst>
   </p:cSld>
@@ -411,6 +415,7 @@
           <a:p>
             <a:fld id="{CD61B48C-D83E-47F8-8257-20FB6A251A6E}" type="datetimeFigureOut">
               <a:rPr lang="uk-UA" smtClean="0"/>
+              <a:pPr/>
               <a:t>06.02.2016</a:t>
             </a:fld>
             <a:endParaRPr lang="uk-UA"/>
@@ -453,6 +458,7 @@
           <a:p>
             <a:fld id="{7F87EA48-9659-47E7-853E-515DF1C481F2}" type="slidenum">
               <a:rPr lang="uk-UA" smtClean="0"/>
+              <a:pPr/>
               <a:t>‹#›</a:t>
             </a:fld>
             <a:endParaRPr lang="uk-UA"/>
@@ -462,7 +468,7 @@
     </p:spTree>
     <p:extLst>
       <p:ext uri="{BB962C8B-B14F-4D97-AF65-F5344CB8AC3E}">
-        <p14:creationId xmlns:p14="http://schemas.microsoft.com/office/powerpoint/2010/main" val="3163908554"/>
+        <p14:creationId xmlns:p14="http://schemas.microsoft.com/office/powerpoint/2010/main" xmlns="" val="3163908554"/>
       </p:ext>
     </p:extLst>
   </p:cSld>
@@ -591,6 +597,7 @@
           <a:p>
             <a:fld id="{CD61B48C-D83E-47F8-8257-20FB6A251A6E}" type="datetimeFigureOut">
               <a:rPr lang="uk-UA" smtClean="0"/>
+              <a:pPr/>
               <a:t>06.02.2016</a:t>
             </a:fld>
             <a:endParaRPr lang="uk-UA"/>
@@ -633,6 +640,7 @@
           <a:p>
             <a:fld id="{7F87EA48-9659-47E7-853E-515DF1C481F2}" type="slidenum">
               <a:rPr lang="uk-UA" smtClean="0"/>
+              <a:pPr/>
               <a:t>‹#›</a:t>
             </a:fld>
             <a:endParaRPr lang="uk-UA"/>
@@ -642,7 +650,7 @@
     </p:spTree>
     <p:extLst>
       <p:ext uri="{BB962C8B-B14F-4D97-AF65-F5344CB8AC3E}">
-        <p14:creationId xmlns:p14="http://schemas.microsoft.com/office/powerpoint/2010/main" val="2921960266"/>
+        <p14:creationId xmlns:p14="http://schemas.microsoft.com/office/powerpoint/2010/main" xmlns="" val="2921960266"/>
       </p:ext>
     </p:extLst>
   </p:cSld>
@@ -761,6 +769,7 @@
           <a:p>
             <a:fld id="{CD61B48C-D83E-47F8-8257-20FB6A251A6E}" type="datetimeFigureOut">
               <a:rPr lang="uk-UA" smtClean="0"/>
+              <a:pPr/>
               <a:t>06.02.2016</a:t>
             </a:fld>
             <a:endParaRPr lang="uk-UA"/>
@@ -803,6 +812,7 @@
           <a:p>
             <a:fld id="{7F87EA48-9659-47E7-853E-515DF1C481F2}" type="slidenum">
               <a:rPr lang="uk-UA" smtClean="0"/>
+              <a:pPr/>
               <a:t>‹#›</a:t>
             </a:fld>
             <a:endParaRPr lang="uk-UA"/>
@@ -812,7 +822,7 @@
     </p:spTree>
     <p:extLst>
       <p:ext uri="{BB962C8B-B14F-4D97-AF65-F5344CB8AC3E}">
-        <p14:creationId xmlns:p14="http://schemas.microsoft.com/office/powerpoint/2010/main" val="3666268349"/>
+        <p14:creationId xmlns:p14="http://schemas.microsoft.com/office/powerpoint/2010/main" xmlns="" val="3666268349"/>
       </p:ext>
     </p:extLst>
   </p:cSld>
@@ -1005,6 +1015,7 @@
           <a:p>
             <a:fld id="{CD61B48C-D83E-47F8-8257-20FB6A251A6E}" type="datetimeFigureOut">
               <a:rPr lang="uk-UA" smtClean="0"/>
+              <a:pPr/>
               <a:t>06.02.2016</a:t>
             </a:fld>
             <a:endParaRPr lang="uk-UA"/>
@@ -1047,6 +1058,7 @@
           <a:p>
             <a:fld id="{7F87EA48-9659-47E7-853E-515DF1C481F2}" type="slidenum">
               <a:rPr lang="uk-UA" smtClean="0"/>
+              <a:pPr/>
               <a:t>‹#›</a:t>
             </a:fld>
             <a:endParaRPr lang="uk-UA"/>
@@ -1056,7 +1068,7 @@
     </p:spTree>
     <p:extLst>
       <p:ext uri="{BB962C8B-B14F-4D97-AF65-F5344CB8AC3E}">
-        <p14:creationId xmlns:p14="http://schemas.microsoft.com/office/powerpoint/2010/main" val="4203734170"/>
+        <p14:creationId xmlns:p14="http://schemas.microsoft.com/office/powerpoint/2010/main" xmlns="" val="4203734170"/>
       </p:ext>
     </p:extLst>
   </p:cSld>
@@ -1237,6 +1249,7 @@
           <a:p>
             <a:fld id="{CD61B48C-D83E-47F8-8257-20FB6A251A6E}" type="datetimeFigureOut">
               <a:rPr lang="uk-UA" smtClean="0"/>
+              <a:pPr/>
               <a:t>06.02.2016</a:t>
             </a:fld>
             <a:endParaRPr lang="uk-UA"/>
@@ -1279,6 +1292,7 @@
           <a:p>
             <a:fld id="{7F87EA48-9659-47E7-853E-515DF1C481F2}" type="slidenum">
               <a:rPr lang="uk-UA" smtClean="0"/>
+              <a:pPr/>
               <a:t>‹#›</a:t>
             </a:fld>
             <a:endParaRPr lang="uk-UA"/>
@@ -1288,7 +1302,7 @@
     </p:spTree>
     <p:extLst>
       <p:ext uri="{BB962C8B-B14F-4D97-AF65-F5344CB8AC3E}">
-        <p14:creationId xmlns:p14="http://schemas.microsoft.com/office/powerpoint/2010/main" val="3414491519"/>
+        <p14:creationId xmlns:p14="http://schemas.microsoft.com/office/powerpoint/2010/main" xmlns="" val="3414491519"/>
       </p:ext>
     </p:extLst>
   </p:cSld>
@@ -1604,6 +1618,7 @@
           <a:p>
             <a:fld id="{CD61B48C-D83E-47F8-8257-20FB6A251A6E}" type="datetimeFigureOut">
               <a:rPr lang="uk-UA" smtClean="0"/>
+              <a:pPr/>
               <a:t>06.02.2016</a:t>
             </a:fld>
             <a:endParaRPr lang="uk-UA"/>
@@ -1646,6 +1661,7 @@
           <a:p>
             <a:fld id="{7F87EA48-9659-47E7-853E-515DF1C481F2}" type="slidenum">
               <a:rPr lang="uk-UA" smtClean="0"/>
+              <a:pPr/>
               <a:t>‹#›</a:t>
             </a:fld>
             <a:endParaRPr lang="uk-UA"/>
@@ -1655,7 +1671,7 @@
     </p:spTree>
     <p:extLst>
       <p:ext uri="{BB962C8B-B14F-4D97-AF65-F5344CB8AC3E}">
-        <p14:creationId xmlns:p14="http://schemas.microsoft.com/office/powerpoint/2010/main" val="3244311563"/>
+        <p14:creationId xmlns:p14="http://schemas.microsoft.com/office/powerpoint/2010/main" xmlns="" val="3244311563"/>
       </p:ext>
     </p:extLst>
   </p:cSld>
@@ -1722,6 +1738,7 @@
           <a:p>
             <a:fld id="{CD61B48C-D83E-47F8-8257-20FB6A251A6E}" type="datetimeFigureOut">
               <a:rPr lang="uk-UA" smtClean="0"/>
+              <a:pPr/>
               <a:t>06.02.2016</a:t>
             </a:fld>
             <a:endParaRPr lang="uk-UA"/>
@@ -1764,6 +1781,7 @@
           <a:p>
             <a:fld id="{7F87EA48-9659-47E7-853E-515DF1C481F2}" type="slidenum">
               <a:rPr lang="uk-UA" smtClean="0"/>
+              <a:pPr/>
               <a:t>‹#›</a:t>
             </a:fld>
             <a:endParaRPr lang="uk-UA"/>
@@ -1773,7 +1791,7 @@
     </p:spTree>
     <p:extLst>
       <p:ext uri="{BB962C8B-B14F-4D97-AF65-F5344CB8AC3E}">
-        <p14:creationId xmlns:p14="http://schemas.microsoft.com/office/powerpoint/2010/main" val="2028804097"/>
+        <p14:creationId xmlns:p14="http://schemas.microsoft.com/office/powerpoint/2010/main" xmlns="" val="2028804097"/>
       </p:ext>
     </p:extLst>
   </p:cSld>
@@ -1817,6 +1835,7 @@
           <a:p>
             <a:fld id="{CD61B48C-D83E-47F8-8257-20FB6A251A6E}" type="datetimeFigureOut">
               <a:rPr lang="uk-UA" smtClean="0"/>
+              <a:pPr/>
               <a:t>06.02.2016</a:t>
             </a:fld>
             <a:endParaRPr lang="uk-UA"/>
@@ -1859,6 +1878,7 @@
           <a:p>
             <a:fld id="{7F87EA48-9659-47E7-853E-515DF1C481F2}" type="slidenum">
               <a:rPr lang="uk-UA" smtClean="0"/>
+              <a:pPr/>
               <a:t>‹#›</a:t>
             </a:fld>
             <a:endParaRPr lang="uk-UA"/>
@@ -1868,7 +1888,7 @@
     </p:spTree>
     <p:extLst>
       <p:ext uri="{BB962C8B-B14F-4D97-AF65-F5344CB8AC3E}">
-        <p14:creationId xmlns:p14="http://schemas.microsoft.com/office/powerpoint/2010/main" val="1285547294"/>
+        <p14:creationId xmlns:p14="http://schemas.microsoft.com/office/powerpoint/2010/main" xmlns="" val="1285547294"/>
       </p:ext>
     </p:extLst>
   </p:cSld>
@@ -2094,6 +2114,7 @@
           <a:p>
             <a:fld id="{CD61B48C-D83E-47F8-8257-20FB6A251A6E}" type="datetimeFigureOut">
               <a:rPr lang="uk-UA" smtClean="0"/>
+              <a:pPr/>
               <a:t>06.02.2016</a:t>
             </a:fld>
             <a:endParaRPr lang="uk-UA"/>
@@ -2136,6 +2157,7 @@
           <a:p>
             <a:fld id="{7F87EA48-9659-47E7-853E-515DF1C481F2}" type="slidenum">
               <a:rPr lang="uk-UA" smtClean="0"/>
+              <a:pPr/>
               <a:t>‹#›</a:t>
             </a:fld>
             <a:endParaRPr lang="uk-UA"/>
@@ -2145,7 +2167,7 @@
     </p:spTree>
     <p:extLst>
       <p:ext uri="{BB962C8B-B14F-4D97-AF65-F5344CB8AC3E}">
-        <p14:creationId xmlns:p14="http://schemas.microsoft.com/office/powerpoint/2010/main" val="3508942129"/>
+        <p14:creationId xmlns:p14="http://schemas.microsoft.com/office/powerpoint/2010/main" xmlns="" val="3508942129"/>
       </p:ext>
     </p:extLst>
   </p:cSld>
@@ -2351,6 +2373,7 @@
           <a:p>
             <a:fld id="{CD61B48C-D83E-47F8-8257-20FB6A251A6E}" type="datetimeFigureOut">
               <a:rPr lang="uk-UA" smtClean="0"/>
+              <a:pPr/>
               <a:t>06.02.2016</a:t>
             </a:fld>
             <a:endParaRPr lang="uk-UA"/>
@@ -2393,6 +2416,7 @@
           <a:p>
             <a:fld id="{7F87EA48-9659-47E7-853E-515DF1C481F2}" type="slidenum">
               <a:rPr lang="uk-UA" smtClean="0"/>
+              <a:pPr/>
               <a:t>‹#›</a:t>
             </a:fld>
             <a:endParaRPr lang="uk-UA"/>
@@ -2402,7 +2426,7 @@
     </p:spTree>
     <p:extLst>
       <p:ext uri="{BB962C8B-B14F-4D97-AF65-F5344CB8AC3E}">
-        <p14:creationId xmlns:p14="http://schemas.microsoft.com/office/powerpoint/2010/main" val="1496426777"/>
+        <p14:creationId xmlns:p14="http://schemas.microsoft.com/office/powerpoint/2010/main" xmlns="" val="1496426777"/>
       </p:ext>
     </p:extLst>
   </p:cSld>
@@ -2564,6 +2588,7 @@
           <a:p>
             <a:fld id="{CD61B48C-D83E-47F8-8257-20FB6A251A6E}" type="datetimeFigureOut">
               <a:rPr lang="uk-UA" smtClean="0"/>
+              <a:pPr/>
               <a:t>06.02.2016</a:t>
             </a:fld>
             <a:endParaRPr lang="uk-UA"/>
@@ -2642,6 +2667,7 @@
           <a:p>
             <a:fld id="{7F87EA48-9659-47E7-853E-515DF1C481F2}" type="slidenum">
               <a:rPr lang="uk-UA" smtClean="0"/>
+              <a:pPr/>
               <a:t>‹#›</a:t>
             </a:fld>
             <a:endParaRPr lang="uk-UA"/>
@@ -2651,7 +2677,7 @@
     </p:spTree>
     <p:extLst>
       <p:ext uri="{BB962C8B-B14F-4D97-AF65-F5344CB8AC3E}">
-        <p14:creationId xmlns:p14="http://schemas.microsoft.com/office/powerpoint/2010/main" val="446163071"/>
+        <p14:creationId xmlns:p14="http://schemas.microsoft.com/office/powerpoint/2010/main" xmlns="" val="446163071"/>
       </p:ext>
     </p:extLst>
   </p:cSld>
@@ -2981,10 +3007,24 @@
         </p:nvSpPr>
         <p:spPr/>
         <p:txBody>
-          <a:bodyPr/>
-          <a:lstStyle/>
-          <a:p>
-            <a:endParaRPr lang="uk-UA"/>
+          <a:bodyPr>
+            <a:normAutofit fontScale="90000"/>
+          </a:bodyPr>
+          <a:lstStyle/>
+          <a:p>
+            <a:r>
+              <a:rPr lang="uk-UA" dirty="0" smtClean="0"/>
+              <a:t>Сервіс пошуку постачальника </a:t>
+            </a:r>
+            <a:r>
+              <a:rPr lang="uk-UA" dirty="0" smtClean="0"/>
+              <a:t>е</a:t>
+            </a:r>
+            <a:r>
+              <a:rPr lang="uk-UA" dirty="0" smtClean="0"/>
+              <a:t>лектроенергії</a:t>
+            </a:r>
+            <a:endParaRPr lang="uk-UA" dirty="0"/>
           </a:p>
         </p:txBody>
       </p:sp>
@@ -2998,25 +3038,64 @@
             <p:ph type="subTitle" idx="1"/>
           </p:nvPr>
         </p:nvSpPr>
-        <p:spPr/>
-        <p:txBody>
-          <a:bodyPr/>
-          <a:lstStyle/>
-          <a:p>
-            <a:endParaRPr lang="uk-UA"/>
+        <p:spPr>
+          <a:xfrm>
+            <a:off x="2286000" y="4758176"/>
+            <a:ext cx="6858000" cy="1655762"/>
+          </a:xfrm>
+        </p:spPr>
+        <p:txBody>
+          <a:bodyPr/>
+          <a:lstStyle/>
+          <a:p>
+            <a:r>
+              <a:rPr lang="uk-UA" dirty="0" err="1" smtClean="0"/>
+              <a:t>Гончаров</a:t>
+            </a:r>
+            <a:r>
+              <a:rPr lang="uk-UA" dirty="0" smtClean="0"/>
+              <a:t> Олександр</a:t>
+            </a:r>
+            <a:r>
+              <a:rPr lang="uk-UA" dirty="0" smtClean="0"/>
+              <a:t/>
+            </a:r>
+            <a:br>
+              <a:rPr lang="uk-UA" dirty="0" smtClean="0"/>
+            </a:br>
+            <a:r>
+              <a:rPr lang="uk-UA" dirty="0" smtClean="0"/>
+              <a:t>Кафедра автоматизації </a:t>
+            </a:r>
+            <a:r>
+              <a:rPr lang="uk-UA" dirty="0" smtClean="0"/>
+              <a:t>е</a:t>
+            </a:r>
+            <a:r>
+              <a:rPr lang="uk-UA" dirty="0" smtClean="0"/>
+              <a:t>нергосистем НТУУ “КПІ”</a:t>
+            </a:r>
+            <a:endParaRPr lang="uk-UA" dirty="0"/>
           </a:p>
         </p:txBody>
       </p:sp>
     </p:spTree>
     <p:extLst>
       <p:ext uri="{BB962C8B-B14F-4D97-AF65-F5344CB8AC3E}">
-        <p14:creationId xmlns:p14="http://schemas.microsoft.com/office/powerpoint/2010/main" val="1804826156"/>
+        <p14:creationId xmlns:p14="http://schemas.microsoft.com/office/powerpoint/2010/main" xmlns="" val="1804826156"/>
       </p:ext>
     </p:extLst>
   </p:cSld>
   <p:clrMapOvr>
     <a:masterClrMapping/>
   </p:clrMapOvr>
+  <p:timing>
+    <p:tnLst>
+      <p:par>
+        <p:cTn id="1" dur="indefinite" restart="never" nodeType="tmRoot"/>
+      </p:par>
+    </p:tnLst>
+  </p:timing>
 </p:sld>
 </file>
 
@@ -3108,9 +3187,497 @@
     </p:spTree>
     <p:extLst>
       <p:ext uri="{BB962C8B-B14F-4D97-AF65-F5344CB8AC3E}">
-        <p14:creationId xmlns:p14="http://schemas.microsoft.com/office/powerpoint/2010/main" val="4030546024"/>
+        <p14:creationId xmlns:p14="http://schemas.microsoft.com/office/powerpoint/2010/main" xmlns="" val="4030546024"/>
       </p:ext>
     </p:extLst>
+  </p:cSld>
+  <p:clrMapOvr>
+    <a:masterClrMapping/>
+  </p:clrMapOvr>
+  <p:timing>
+    <p:tnLst>
+      <p:par>
+        <p:cTn id="1" dur="indefinite" restart="never" nodeType="tmRoot"/>
+      </p:par>
+    </p:tnLst>
+  </p:timing>
+</p:sld>
+</file>
+
+<file path=ppt/slides/slide3.xml><?xml version="1.0" encoding="utf-8"?>
+<p:sld xmlns:a="http://schemas.openxmlformats.org/drawingml/2006/main" xmlns:r="http://schemas.openxmlformats.org/officeDocument/2006/relationships" xmlns:p="http://schemas.openxmlformats.org/presentationml/2006/main">
+  <p:cSld>
+    <p:spTree>
+      <p:nvGrpSpPr>
+        <p:cNvPr id="1" name=""/>
+        <p:cNvGrpSpPr/>
+        <p:nvPr/>
+      </p:nvGrpSpPr>
+      <p:grpSpPr>
+        <a:xfrm>
+          <a:off x="0" y="0"/>
+          <a:ext cx="0" cy="0"/>
+          <a:chOff x="0" y="0"/>
+          <a:chExt cx="0" cy="0"/>
+        </a:xfrm>
+      </p:grpSpPr>
+      <p:sp>
+        <p:nvSpPr>
+          <p:cNvPr id="2" name="Заголовок 1"/>
+          <p:cNvSpPr>
+            <a:spLocks noGrp="1"/>
+          </p:cNvSpPr>
+          <p:nvPr>
+            <p:ph type="title"/>
+          </p:nvPr>
+        </p:nvSpPr>
+        <p:spPr/>
+        <p:txBody>
+          <a:bodyPr/>
+          <a:lstStyle/>
+          <a:p>
+            <a:pPr algn="ctr"/>
+            <a:r>
+              <a:rPr lang="uk-UA" dirty="0" smtClean="0"/>
+              <a:t>Проблема</a:t>
+            </a:r>
+            <a:endParaRPr lang="ru-RU" dirty="0"/>
+          </a:p>
+        </p:txBody>
+      </p:sp>
+      <p:sp>
+        <p:nvSpPr>
+          <p:cNvPr id="3" name="Содержимое 2"/>
+          <p:cNvSpPr>
+            <a:spLocks noGrp="1"/>
+          </p:cNvSpPr>
+          <p:nvPr>
+            <p:ph idx="1"/>
+          </p:nvPr>
+        </p:nvSpPr>
+        <p:spPr>
+          <a:xfrm>
+            <a:off x="628650" y="1415735"/>
+            <a:ext cx="7886700" cy="497161"/>
+          </a:xfrm>
+        </p:spPr>
+        <p:txBody>
+          <a:bodyPr>
+            <a:noAutofit/>
+          </a:bodyPr>
+          <a:lstStyle/>
+          <a:p>
+            <a:pPr algn="ctr">
+              <a:buNone/>
+            </a:pPr>
+            <a:r>
+              <a:rPr lang="uk-UA" sz="3200" dirty="0" smtClean="0"/>
+              <a:t>Монополії на ринку електроенергії</a:t>
+            </a:r>
+            <a:endParaRPr lang="ru-RU" sz="3200" dirty="0"/>
+          </a:p>
+        </p:txBody>
+      </p:sp>
+      <p:sp>
+        <p:nvSpPr>
+          <p:cNvPr id="5" name="Стрелка вниз 4"/>
+          <p:cNvSpPr/>
+          <p:nvPr/>
+        </p:nvSpPr>
+        <p:spPr>
+          <a:xfrm>
+            <a:off x="3762703" y="2070551"/>
+            <a:ext cx="1566041" cy="1366345"/>
+          </a:xfrm>
+          <a:prstGeom prst="downArrow">
+            <a:avLst/>
+          </a:prstGeom>
+        </p:spPr>
+        <p:style>
+          <a:lnRef idx="2">
+            <a:schemeClr val="accent1">
+              <a:shade val="50000"/>
+            </a:schemeClr>
+          </a:lnRef>
+          <a:fillRef idx="1">
+            <a:schemeClr val="accent1"/>
+          </a:fillRef>
+          <a:effectRef idx="0">
+            <a:schemeClr val="accent1"/>
+          </a:effectRef>
+          <a:fontRef idx="minor">
+            <a:schemeClr val="lt1"/>
+          </a:fontRef>
+        </p:style>
+        <p:txBody>
+          <a:bodyPr rtlCol="0" anchor="ctr"/>
+          <a:lstStyle/>
+          <a:p>
+            <a:pPr algn="ctr"/>
+            <a:endParaRPr lang="ru-RU"/>
+          </a:p>
+        </p:txBody>
+      </p:sp>
+      <p:sp>
+        <p:nvSpPr>
+          <p:cNvPr id="6" name="Содержимое 2"/>
+          <p:cNvSpPr txBox="1">
+            <a:spLocks/>
+          </p:cNvSpPr>
+          <p:nvPr/>
+        </p:nvSpPr>
+        <p:spPr>
+          <a:xfrm>
+            <a:off x="623396" y="2177735"/>
+            <a:ext cx="7886700" cy="497161"/>
+          </a:xfrm>
+          <a:prstGeom prst="rect">
+            <a:avLst/>
+          </a:prstGeom>
+        </p:spPr>
+        <p:txBody>
+          <a:bodyPr vert="horz" lIns="91440" tIns="45720" rIns="91440" bIns="45720" rtlCol="0">
+            <a:noAutofit/>
+          </a:bodyPr>
+          <a:lstStyle/>
+          <a:p>
+            <a:pPr marL="228600" marR="0" lvl="0" indent="-228600" algn="ctr" defTabSz="914400" rtl="0" eaLnBrk="1" fontAlgn="auto" latinLnBrk="0" hangingPunct="1">
+              <a:lnSpc>
+                <a:spcPct val="90000"/>
+              </a:lnSpc>
+              <a:spcBef>
+                <a:spcPts val="1000"/>
+              </a:spcBef>
+              <a:spcAft>
+                <a:spcPts val="0"/>
+              </a:spcAft>
+              <a:buClrTx/>
+              <a:buSzTx/>
+              <a:buFont typeface="Arial" panose="020B0604020202020204" pitchFamily="34" charset="0"/>
+              <a:buNone/>
+              <a:tabLst/>
+              <a:defRPr/>
+            </a:pPr>
+            <a:r>
+              <a:rPr kumimoji="0" lang="ru-RU" sz="3200" b="0" i="0" u="none" strike="noStrike" kern="1200" cap="none" spc="0" normalizeH="0" baseline="0" noProof="0" dirty="0" smtClean="0">
+                <a:ln>
+                  <a:noFill/>
+                </a:ln>
+                <a:solidFill>
+                  <a:schemeClr val="tx1"/>
+                </a:solidFill>
+                <a:effectLst/>
+                <a:uLnTx/>
+                <a:uFillTx/>
+                <a:latin typeface="+mn-lt"/>
+                <a:ea typeface="+mn-ea"/>
+                <a:cs typeface="+mn-cs"/>
+              </a:rPr>
+              <a:t>Р</a:t>
+            </a:r>
+            <a:r>
+              <a:rPr kumimoji="0" lang="uk-UA" sz="3200" b="0" i="0" u="none" strike="noStrike" kern="1200" cap="none" spc="0" normalizeH="0" baseline="0" noProof="0" dirty="0" err="1" smtClean="0">
+                <a:ln>
+                  <a:noFill/>
+                </a:ln>
+                <a:solidFill>
+                  <a:schemeClr val="tx1"/>
+                </a:solidFill>
+                <a:effectLst/>
+                <a:uLnTx/>
+                <a:uFillTx/>
+                <a:latin typeface="+mn-lt"/>
+                <a:ea typeface="+mn-ea"/>
+                <a:cs typeface="+mn-cs"/>
+              </a:rPr>
+              <a:t>ішення</a:t>
+            </a:r>
+            <a:endParaRPr kumimoji="0" lang="ru-RU" sz="3200" b="0" i="0" u="none" strike="noStrike" kern="1200" cap="none" spc="0" normalizeH="0" baseline="0" noProof="0" dirty="0">
+              <a:ln>
+                <a:noFill/>
+              </a:ln>
+              <a:solidFill>
+                <a:schemeClr val="tx1"/>
+              </a:solidFill>
+              <a:effectLst/>
+              <a:uLnTx/>
+              <a:uFillTx/>
+              <a:latin typeface="+mn-lt"/>
+              <a:ea typeface="+mn-ea"/>
+              <a:cs typeface="+mn-cs"/>
+            </a:endParaRPr>
+          </a:p>
+        </p:txBody>
+      </p:sp>
+      <p:sp>
+        <p:nvSpPr>
+          <p:cNvPr id="7" name="Содержимое 2"/>
+          <p:cNvSpPr txBox="1">
+            <a:spLocks/>
+          </p:cNvSpPr>
+          <p:nvPr/>
+        </p:nvSpPr>
+        <p:spPr>
+          <a:xfrm>
+            <a:off x="760030" y="3491528"/>
+            <a:ext cx="7886700" cy="497161"/>
+          </a:xfrm>
+          <a:prstGeom prst="rect">
+            <a:avLst/>
+          </a:prstGeom>
+        </p:spPr>
+        <p:txBody>
+          <a:bodyPr vert="horz" lIns="91440" tIns="45720" rIns="91440" bIns="45720" rtlCol="0">
+            <a:noAutofit/>
+          </a:bodyPr>
+          <a:lstStyle/>
+          <a:p>
+            <a:pPr marL="228600" marR="0" lvl="0" indent="-228600" algn="ctr" defTabSz="914400" rtl="0" eaLnBrk="1" fontAlgn="auto" latinLnBrk="0" hangingPunct="1">
+              <a:lnSpc>
+                <a:spcPct val="90000"/>
+              </a:lnSpc>
+              <a:spcBef>
+                <a:spcPts val="1000"/>
+              </a:spcBef>
+              <a:spcAft>
+                <a:spcPts val="0"/>
+              </a:spcAft>
+              <a:buClrTx/>
+              <a:buSzTx/>
+              <a:buFont typeface="Arial" panose="020B0604020202020204" pitchFamily="34" charset="0"/>
+              <a:buNone/>
+              <a:tabLst/>
+              <a:defRPr/>
+            </a:pPr>
+            <a:r>
+              <a:rPr kumimoji="0" lang="uk-UA" sz="3200" b="1" i="0" u="none" strike="noStrike" kern="1200" cap="none" spc="0" normalizeH="0" baseline="0" noProof="0" dirty="0" smtClean="0">
+                <a:ln>
+                  <a:noFill/>
+                </a:ln>
+                <a:solidFill>
+                  <a:srgbClr val="FF0000"/>
+                </a:solidFill>
+                <a:effectLst/>
+                <a:uLnTx/>
+                <a:uFillTx/>
+                <a:latin typeface="+mn-lt"/>
+                <a:ea typeface="+mn-ea"/>
+                <a:cs typeface="+mn-cs"/>
+              </a:rPr>
+              <a:t>Нова</a:t>
+            </a:r>
+            <a:r>
+              <a:rPr kumimoji="0" lang="uk-UA" sz="3200" b="1" i="0" u="none" strike="noStrike" kern="1200" cap="none" spc="0" normalizeH="0" noProof="0" dirty="0" smtClean="0">
+                <a:ln>
+                  <a:noFill/>
+                </a:ln>
+                <a:solidFill>
+                  <a:srgbClr val="FF0000"/>
+                </a:solidFill>
+                <a:effectLst/>
+                <a:uLnTx/>
+                <a:uFillTx/>
+                <a:latin typeface="+mn-lt"/>
+                <a:ea typeface="+mn-ea"/>
+                <a:cs typeface="+mn-cs"/>
+              </a:rPr>
+              <a:t> модель </a:t>
+            </a:r>
+            <a:r>
+              <a:rPr kumimoji="0" lang="uk-UA" sz="3200" b="1" i="0" u="none" strike="noStrike" kern="1200" cap="none" spc="0" normalizeH="0" baseline="0" noProof="0" dirty="0" smtClean="0">
+                <a:ln>
+                  <a:noFill/>
+                </a:ln>
+                <a:solidFill>
+                  <a:srgbClr val="FF0000"/>
+                </a:solidFill>
+                <a:effectLst/>
+                <a:uLnTx/>
+                <a:uFillTx/>
+                <a:latin typeface="+mn-lt"/>
+                <a:ea typeface="+mn-ea"/>
+                <a:cs typeface="+mn-cs"/>
+              </a:rPr>
+              <a:t>ринку електроенергії</a:t>
+            </a:r>
+            <a:endParaRPr kumimoji="0" lang="ru-RU" sz="3200" b="1" i="0" u="none" strike="noStrike" kern="1200" cap="none" spc="0" normalizeH="0" baseline="0" noProof="0" dirty="0">
+              <a:ln>
+                <a:noFill/>
+              </a:ln>
+              <a:solidFill>
+                <a:srgbClr val="FF0000"/>
+              </a:solidFill>
+              <a:effectLst/>
+              <a:uLnTx/>
+              <a:uFillTx/>
+              <a:latin typeface="+mn-lt"/>
+              <a:ea typeface="+mn-ea"/>
+              <a:cs typeface="+mn-cs"/>
+            </a:endParaRPr>
+          </a:p>
+        </p:txBody>
+      </p:sp>
+      <p:sp>
+        <p:nvSpPr>
+          <p:cNvPr id="8" name="Стрелка вниз 7"/>
+          <p:cNvSpPr/>
+          <p:nvPr/>
+        </p:nvSpPr>
+        <p:spPr>
+          <a:xfrm rot="10800000">
+            <a:off x="4078012" y="4183130"/>
+            <a:ext cx="998483" cy="1345324"/>
+          </a:xfrm>
+          <a:prstGeom prst="downArrow">
+            <a:avLst/>
+          </a:prstGeom>
+        </p:spPr>
+        <p:style>
+          <a:lnRef idx="2">
+            <a:schemeClr val="accent1">
+              <a:shade val="50000"/>
+            </a:schemeClr>
+          </a:lnRef>
+          <a:fillRef idx="1">
+            <a:schemeClr val="accent1"/>
+          </a:fillRef>
+          <a:effectRef idx="0">
+            <a:schemeClr val="accent1"/>
+          </a:effectRef>
+          <a:fontRef idx="minor">
+            <a:schemeClr val="lt1"/>
+          </a:fontRef>
+        </p:style>
+        <p:txBody>
+          <a:bodyPr rtlCol="0" anchor="ctr"/>
+          <a:lstStyle/>
+          <a:p>
+            <a:pPr algn="r"/>
+            <a:endParaRPr lang="ru-RU" dirty="0"/>
+          </a:p>
+        </p:txBody>
+      </p:sp>
+      <p:sp>
+        <p:nvSpPr>
+          <p:cNvPr id="9" name="Содержимое 2"/>
+          <p:cNvSpPr txBox="1">
+            <a:spLocks/>
+          </p:cNvSpPr>
+          <p:nvPr/>
+        </p:nvSpPr>
+        <p:spPr>
+          <a:xfrm>
+            <a:off x="733754" y="4663431"/>
+            <a:ext cx="7886700" cy="497161"/>
+          </a:xfrm>
+          <a:prstGeom prst="rect">
+            <a:avLst/>
+          </a:prstGeom>
+        </p:spPr>
+        <p:txBody>
+          <a:bodyPr vert="horz" lIns="91440" tIns="45720" rIns="91440" bIns="45720" rtlCol="0">
+            <a:noAutofit/>
+          </a:bodyPr>
+          <a:lstStyle/>
+          <a:p>
+            <a:pPr marL="228600" marR="0" lvl="0" indent="-228600" algn="ctr" defTabSz="914400" rtl="0" eaLnBrk="1" fontAlgn="auto" latinLnBrk="0" hangingPunct="1">
+              <a:lnSpc>
+                <a:spcPct val="90000"/>
+              </a:lnSpc>
+              <a:spcBef>
+                <a:spcPts val="1000"/>
+              </a:spcBef>
+              <a:spcAft>
+                <a:spcPts val="0"/>
+              </a:spcAft>
+              <a:buClrTx/>
+              <a:buSzTx/>
+              <a:buFont typeface="Arial" panose="020B0604020202020204" pitchFamily="34" charset="0"/>
+              <a:buNone/>
+              <a:tabLst/>
+              <a:defRPr/>
+            </a:pPr>
+            <a:r>
+              <a:rPr kumimoji="0" lang="uk-UA" sz="3200" b="0" i="0" u="none" strike="noStrike" kern="1200" cap="none" spc="0" normalizeH="0" baseline="0" noProof="0" dirty="0" smtClean="0">
+                <a:ln>
+                  <a:noFill/>
+                </a:ln>
+                <a:solidFill>
+                  <a:schemeClr val="tx1"/>
+                </a:solidFill>
+                <a:effectLst/>
+                <a:uLnTx/>
+                <a:uFillTx/>
+                <a:latin typeface="+mn-lt"/>
+                <a:ea typeface="+mn-ea"/>
+                <a:cs typeface="+mn-cs"/>
+              </a:rPr>
+              <a:t>Підвищення</a:t>
+            </a:r>
+            <a:r>
+              <a:rPr kumimoji="0" lang="uk-UA" sz="3200" b="0" i="0" u="none" strike="noStrike" kern="1200" cap="none" spc="0" normalizeH="0" noProof="0" dirty="0" smtClean="0">
+                <a:ln>
+                  <a:noFill/>
+                </a:ln>
+                <a:solidFill>
+                  <a:schemeClr val="tx1"/>
+                </a:solidFill>
+                <a:effectLst/>
+                <a:uLnTx/>
+                <a:uFillTx/>
+                <a:latin typeface="+mn-lt"/>
+                <a:ea typeface="+mn-ea"/>
+                <a:cs typeface="+mn-cs"/>
+              </a:rPr>
+              <a:t> ефективності</a:t>
+            </a:r>
+            <a:endParaRPr kumimoji="0" lang="ru-RU" sz="3200" b="0" i="0" u="none" strike="noStrike" kern="1200" cap="none" spc="0" normalizeH="0" baseline="0" noProof="0" dirty="0">
+              <a:ln>
+                <a:noFill/>
+              </a:ln>
+              <a:solidFill>
+                <a:schemeClr val="tx1"/>
+              </a:solidFill>
+              <a:effectLst/>
+              <a:uLnTx/>
+              <a:uFillTx/>
+              <a:latin typeface="+mn-lt"/>
+              <a:ea typeface="+mn-ea"/>
+              <a:cs typeface="+mn-cs"/>
+            </a:endParaRPr>
+          </a:p>
+        </p:txBody>
+      </p:sp>
+      <p:sp>
+        <p:nvSpPr>
+          <p:cNvPr id="10" name="Прямоугольник 9"/>
+          <p:cNvSpPr/>
+          <p:nvPr/>
+        </p:nvSpPr>
+        <p:spPr>
+          <a:xfrm>
+            <a:off x="1237836" y="5766817"/>
+            <a:ext cx="7013458" cy="523220"/>
+          </a:xfrm>
+          <a:prstGeom prst="rect">
+            <a:avLst/>
+          </a:prstGeom>
+        </p:spPr>
+        <p:txBody>
+          <a:bodyPr wrap="none">
+            <a:spAutoFit/>
+          </a:bodyPr>
+          <a:lstStyle/>
+          <a:p>
+            <a:r>
+              <a:rPr lang="uk-UA" sz="2800" dirty="0" smtClean="0"/>
+              <a:t>Сервіс пошуку постачальника електроенергії</a:t>
+            </a:r>
+            <a:endParaRPr lang="ru-RU" sz="2800" dirty="0"/>
+          </a:p>
+        </p:txBody>
+      </p:sp>
+    </p:spTree>
   </p:cSld>
   <p:clrMapOvr>
     <a:masterClrMapping/>
@@ -3118,7 +3685,7 @@
 </p:sld>
 </file>
 
-<file path=ppt/slides/slide3.xml><?xml version="1.0" encoding="utf-8"?>
+<file path=ppt/slides/slide4.xml><?xml version="1.0" encoding="utf-8"?>
 <p:sld xmlns:a="http://schemas.openxmlformats.org/drawingml/2006/main" xmlns:r="http://schemas.openxmlformats.org/officeDocument/2006/relationships" xmlns:p="http://schemas.openxmlformats.org/presentationml/2006/main">
   <p:cSld>
     <p:spTree>
@@ -3474,17 +4041,24 @@
     </p:spTree>
     <p:extLst>
       <p:ext uri="{BB962C8B-B14F-4D97-AF65-F5344CB8AC3E}">
-        <p14:creationId xmlns:p14="http://schemas.microsoft.com/office/powerpoint/2010/main" val="3012559812"/>
+        <p14:creationId xmlns:p14="http://schemas.microsoft.com/office/powerpoint/2010/main" xmlns="" val="3012559812"/>
       </p:ext>
     </p:extLst>
   </p:cSld>
   <p:clrMapOvr>
     <a:masterClrMapping/>
   </p:clrMapOvr>
+  <p:timing>
+    <p:tnLst>
+      <p:par>
+        <p:cTn id="1" dur="indefinite" restart="never" nodeType="tmRoot"/>
+      </p:par>
+    </p:tnLst>
+  </p:timing>
 </p:sld>
 </file>
 
-<file path=ppt/slides/slide4.xml><?xml version="1.0" encoding="utf-8"?>
+<file path=ppt/slides/slide5.xml><?xml version="1.0" encoding="utf-8"?>
 <p:sld xmlns:a="http://schemas.openxmlformats.org/drawingml/2006/main" xmlns:r="http://schemas.openxmlformats.org/officeDocument/2006/relationships" xmlns:p="http://schemas.openxmlformats.org/presentationml/2006/main">
   <p:cSld>
     <p:spTree>
@@ -3518,6 +4092,552 @@
           <a:p>
             <a:pPr algn="ctr"/>
             <a:r>
+              <a:rPr lang="uk-UA" dirty="0" smtClean="0"/>
+              <a:t>Джерело </a:t>
+            </a:r>
+            <a:r>
+              <a:rPr lang="uk-UA" dirty="0" err="1" smtClean="0"/>
+              <a:t>данних</a:t>
+            </a:r>
+            <a:endParaRPr lang="ru-RU" dirty="0"/>
+          </a:p>
+        </p:txBody>
+      </p:sp>
+      <p:sp>
+        <p:nvSpPr>
+          <p:cNvPr id="3" name="Содержимое 2"/>
+          <p:cNvSpPr>
+            <a:spLocks noGrp="1"/>
+          </p:cNvSpPr>
+          <p:nvPr>
+            <p:ph idx="1"/>
+          </p:nvPr>
+        </p:nvSpPr>
+        <p:spPr>
+          <a:xfrm>
+            <a:off x="628650" y="3076356"/>
+            <a:ext cx="7886700" cy="949106"/>
+          </a:xfrm>
+        </p:spPr>
+        <p:txBody>
+          <a:bodyPr>
+            <a:normAutofit fontScale="92500"/>
+          </a:bodyPr>
+          <a:lstStyle/>
+          <a:p>
+            <a:pPr algn="ctr">
+              <a:buNone/>
+            </a:pPr>
+            <a:r>
+              <a:rPr lang="ru-RU" b="1" dirty="0" err="1" smtClean="0"/>
+              <a:t>Нац</a:t>
+            </a:r>
+            <a:r>
+              <a:rPr lang="uk-UA" b="1" dirty="0" err="1" smtClean="0"/>
+              <a:t>іональна</a:t>
+            </a:r>
+            <a:r>
+              <a:rPr lang="uk-UA" b="1" dirty="0" smtClean="0"/>
+              <a:t> комісія регулювання у сфері енергетики та комунальних послуг</a:t>
+            </a:r>
+            <a:r>
+              <a:rPr lang="en-US" b="1" dirty="0" smtClean="0"/>
+              <a:t> (</a:t>
+            </a:r>
+            <a:r>
+              <a:rPr lang="ru-RU" b="1" dirty="0" smtClean="0"/>
+              <a:t>ядро нового ринку ЕЕ</a:t>
+            </a:r>
+            <a:r>
+              <a:rPr lang="en-US" b="1" dirty="0" smtClean="0"/>
+              <a:t>)</a:t>
+            </a:r>
+            <a:r>
+              <a:rPr lang="uk-UA" b="1" dirty="0" smtClean="0"/>
+              <a:t> </a:t>
+            </a:r>
+            <a:endParaRPr lang="ru-RU" b="1" dirty="0"/>
+          </a:p>
+        </p:txBody>
+      </p:sp>
+      <p:sp>
+        <p:nvSpPr>
+          <p:cNvPr id="4" name="Стрелка вниз 3"/>
+          <p:cNvSpPr/>
+          <p:nvPr/>
+        </p:nvSpPr>
+        <p:spPr>
+          <a:xfrm>
+            <a:off x="2585546" y="4141076"/>
+            <a:ext cx="4225158" cy="893379"/>
+          </a:xfrm>
+          <a:prstGeom prst="downArrow">
+            <a:avLst>
+              <a:gd name="adj1" fmla="val 50000"/>
+              <a:gd name="adj2" fmla="val 46471"/>
+            </a:avLst>
+          </a:prstGeom>
+        </p:spPr>
+        <p:style>
+          <a:lnRef idx="2">
+            <a:schemeClr val="accent1">
+              <a:shade val="50000"/>
+            </a:schemeClr>
+          </a:lnRef>
+          <a:fillRef idx="1">
+            <a:schemeClr val="accent1"/>
+          </a:fillRef>
+          <a:effectRef idx="0">
+            <a:schemeClr val="accent1"/>
+          </a:effectRef>
+          <a:fontRef idx="minor">
+            <a:schemeClr val="lt1"/>
+          </a:fontRef>
+        </p:style>
+        <p:txBody>
+          <a:bodyPr rtlCol="0" anchor="ctr"/>
+          <a:lstStyle/>
+          <a:p>
+            <a:pPr algn="ctr"/>
+            <a:endParaRPr lang="ru-RU"/>
+          </a:p>
+        </p:txBody>
+      </p:sp>
+      <p:sp>
+        <p:nvSpPr>
+          <p:cNvPr id="5" name="Прямоугольник 4"/>
+          <p:cNvSpPr/>
+          <p:nvPr/>
+        </p:nvSpPr>
+        <p:spPr>
+          <a:xfrm>
+            <a:off x="1090691" y="5398955"/>
+            <a:ext cx="7208320" cy="523220"/>
+          </a:xfrm>
+          <a:prstGeom prst="rect">
+            <a:avLst/>
+          </a:prstGeom>
+        </p:spPr>
+        <p:txBody>
+          <a:bodyPr wrap="none">
+            <a:spAutoFit/>
+          </a:bodyPr>
+          <a:lstStyle/>
+          <a:p>
+            <a:r>
+              <a:rPr lang="uk-UA" sz="2800" b="1" dirty="0" smtClean="0"/>
+              <a:t>Сервіс пошуку постачальника електроенергії</a:t>
+            </a:r>
+            <a:endParaRPr lang="ru-RU" sz="2800" b="1" dirty="0"/>
+          </a:p>
+        </p:txBody>
+      </p:sp>
+      <p:sp>
+        <p:nvSpPr>
+          <p:cNvPr id="6" name="Прямоугольник 5"/>
+          <p:cNvSpPr/>
+          <p:nvPr/>
+        </p:nvSpPr>
+        <p:spPr>
+          <a:xfrm>
+            <a:off x="1027629" y="1552169"/>
+            <a:ext cx="2138791" cy="523220"/>
+          </a:xfrm>
+          <a:prstGeom prst="rect">
+            <a:avLst/>
+          </a:prstGeom>
+        </p:spPr>
+        <p:txBody>
+          <a:bodyPr wrap="none">
+            <a:spAutoFit/>
+          </a:bodyPr>
+          <a:lstStyle/>
+          <a:p>
+            <a:r>
+              <a:rPr lang="ru-RU" sz="2800" dirty="0" smtClean="0"/>
+              <a:t>М</a:t>
+            </a:r>
+            <a:r>
+              <a:rPr lang="uk-UA" sz="2800" dirty="0" err="1" smtClean="0"/>
+              <a:t>іністерства</a:t>
+            </a:r>
+            <a:endParaRPr lang="ru-RU" sz="2800" dirty="0"/>
+          </a:p>
+        </p:txBody>
+      </p:sp>
+      <p:sp>
+        <p:nvSpPr>
+          <p:cNvPr id="7" name="Прямоугольник 6"/>
+          <p:cNvSpPr/>
+          <p:nvPr/>
+        </p:nvSpPr>
+        <p:spPr>
+          <a:xfrm>
+            <a:off x="3387202" y="1578445"/>
+            <a:ext cx="1784912" cy="523220"/>
+          </a:xfrm>
+          <a:prstGeom prst="rect">
+            <a:avLst/>
+          </a:prstGeom>
+        </p:spPr>
+        <p:txBody>
+          <a:bodyPr wrap="none">
+            <a:spAutoFit/>
+          </a:bodyPr>
+          <a:lstStyle/>
+          <a:p>
+            <a:r>
+              <a:rPr lang="uk-UA" sz="2800" dirty="0" smtClean="0"/>
+              <a:t>Ліцензіати</a:t>
+            </a:r>
+            <a:endParaRPr lang="ru-RU" sz="2800" dirty="0"/>
+          </a:p>
+        </p:txBody>
+      </p:sp>
+      <p:sp>
+        <p:nvSpPr>
+          <p:cNvPr id="8" name="Прямоугольник 7"/>
+          <p:cNvSpPr/>
+          <p:nvPr/>
+        </p:nvSpPr>
+        <p:spPr>
+          <a:xfrm>
+            <a:off x="5357891" y="1562679"/>
+            <a:ext cx="3253711" cy="523220"/>
+          </a:xfrm>
+          <a:prstGeom prst="rect">
+            <a:avLst/>
+          </a:prstGeom>
+        </p:spPr>
+        <p:txBody>
+          <a:bodyPr wrap="none">
+            <a:spAutoFit/>
+          </a:bodyPr>
+          <a:lstStyle/>
+          <a:p>
+            <a:r>
+              <a:rPr lang="uk-UA" sz="2800" dirty="0" smtClean="0"/>
+              <a:t>Системні оператори</a:t>
+            </a:r>
+            <a:endParaRPr lang="ru-RU" sz="2800" dirty="0"/>
+          </a:p>
+        </p:txBody>
+      </p:sp>
+      <p:sp>
+        <p:nvSpPr>
+          <p:cNvPr id="9" name="Стрелка вниз 8"/>
+          <p:cNvSpPr/>
+          <p:nvPr/>
+        </p:nvSpPr>
+        <p:spPr>
+          <a:xfrm>
+            <a:off x="1487214" y="2180896"/>
+            <a:ext cx="1250731" cy="893379"/>
+          </a:xfrm>
+          <a:prstGeom prst="downArrow">
+            <a:avLst/>
+          </a:prstGeom>
+        </p:spPr>
+        <p:style>
+          <a:lnRef idx="2">
+            <a:schemeClr val="accent1">
+              <a:shade val="50000"/>
+            </a:schemeClr>
+          </a:lnRef>
+          <a:fillRef idx="1">
+            <a:schemeClr val="accent1"/>
+          </a:fillRef>
+          <a:effectRef idx="0">
+            <a:schemeClr val="accent1"/>
+          </a:effectRef>
+          <a:fontRef idx="minor">
+            <a:schemeClr val="lt1"/>
+          </a:fontRef>
+        </p:style>
+        <p:txBody>
+          <a:bodyPr rtlCol="0" anchor="ctr"/>
+          <a:lstStyle/>
+          <a:p>
+            <a:pPr algn="ctr"/>
+            <a:endParaRPr lang="ru-RU"/>
+          </a:p>
+        </p:txBody>
+      </p:sp>
+      <p:sp>
+        <p:nvSpPr>
+          <p:cNvPr id="10" name="Стрелка вниз 9"/>
+          <p:cNvSpPr/>
+          <p:nvPr/>
+        </p:nvSpPr>
+        <p:spPr>
+          <a:xfrm>
+            <a:off x="3620814" y="2170386"/>
+            <a:ext cx="1250731" cy="893379"/>
+          </a:xfrm>
+          <a:prstGeom prst="downArrow">
+            <a:avLst/>
+          </a:prstGeom>
+        </p:spPr>
+        <p:style>
+          <a:lnRef idx="2">
+            <a:schemeClr val="accent1">
+              <a:shade val="50000"/>
+            </a:schemeClr>
+          </a:lnRef>
+          <a:fillRef idx="1">
+            <a:schemeClr val="accent1"/>
+          </a:fillRef>
+          <a:effectRef idx="0">
+            <a:schemeClr val="accent1"/>
+          </a:effectRef>
+          <a:fontRef idx="minor">
+            <a:schemeClr val="lt1"/>
+          </a:fontRef>
+        </p:style>
+        <p:txBody>
+          <a:bodyPr rtlCol="0" anchor="ctr"/>
+          <a:lstStyle/>
+          <a:p>
+            <a:pPr algn="ctr"/>
+            <a:endParaRPr lang="ru-RU"/>
+          </a:p>
+        </p:txBody>
+      </p:sp>
+      <p:sp>
+        <p:nvSpPr>
+          <p:cNvPr id="11" name="Стрелка вниз 10"/>
+          <p:cNvSpPr/>
+          <p:nvPr/>
+        </p:nvSpPr>
+        <p:spPr>
+          <a:xfrm>
+            <a:off x="5912069" y="2117834"/>
+            <a:ext cx="1250731" cy="893379"/>
+          </a:xfrm>
+          <a:prstGeom prst="downArrow">
+            <a:avLst/>
+          </a:prstGeom>
+        </p:spPr>
+        <p:style>
+          <a:lnRef idx="2">
+            <a:schemeClr val="accent1">
+              <a:shade val="50000"/>
+            </a:schemeClr>
+          </a:lnRef>
+          <a:fillRef idx="1">
+            <a:schemeClr val="accent1"/>
+          </a:fillRef>
+          <a:effectRef idx="0">
+            <a:schemeClr val="accent1"/>
+          </a:effectRef>
+          <a:fontRef idx="minor">
+            <a:schemeClr val="lt1"/>
+          </a:fontRef>
+        </p:style>
+        <p:txBody>
+          <a:bodyPr rtlCol="0" anchor="ctr"/>
+          <a:lstStyle/>
+          <a:p>
+            <a:pPr algn="ctr"/>
+            <a:endParaRPr lang="ru-RU"/>
+          </a:p>
+        </p:txBody>
+      </p:sp>
+      <p:sp>
+        <p:nvSpPr>
+          <p:cNvPr id="12" name="Прямоугольник 11"/>
+          <p:cNvSpPr/>
+          <p:nvPr/>
+        </p:nvSpPr>
+        <p:spPr>
+          <a:xfrm>
+            <a:off x="1510078" y="2256361"/>
+            <a:ext cx="1229824" cy="369332"/>
+          </a:xfrm>
+          <a:prstGeom prst="rect">
+            <a:avLst/>
+          </a:prstGeom>
+        </p:spPr>
+        <p:txBody>
+          <a:bodyPr wrap="none">
+            <a:spAutoFit/>
+          </a:bodyPr>
+          <a:lstStyle/>
+          <a:p>
+            <a:r>
+              <a:rPr lang="ru-RU" dirty="0" smtClean="0"/>
+              <a:t>Постанови</a:t>
+            </a:r>
+            <a:endParaRPr lang="ru-RU" dirty="0"/>
+          </a:p>
+        </p:txBody>
+      </p:sp>
+      <p:sp>
+        <p:nvSpPr>
+          <p:cNvPr id="13" name="Прямоугольник 12"/>
+          <p:cNvSpPr/>
+          <p:nvPr/>
+        </p:nvSpPr>
+        <p:spPr>
+          <a:xfrm>
+            <a:off x="3627912" y="2240596"/>
+            <a:ext cx="1378904" cy="369332"/>
+          </a:xfrm>
+          <a:prstGeom prst="rect">
+            <a:avLst/>
+          </a:prstGeom>
+        </p:spPr>
+        <p:txBody>
+          <a:bodyPr wrap="none">
+            <a:spAutoFit/>
+          </a:bodyPr>
+          <a:lstStyle/>
+          <a:p>
+            <a:r>
+              <a:rPr lang="ru-RU" dirty="0" smtClean="0"/>
+              <a:t>Зв</a:t>
+            </a:r>
+            <a:r>
+              <a:rPr lang="uk-UA" dirty="0" smtClean="0"/>
+              <a:t>іти, плани</a:t>
+            </a:r>
+            <a:endParaRPr lang="ru-RU" dirty="0"/>
+          </a:p>
+        </p:txBody>
+      </p:sp>
+      <p:sp>
+        <p:nvSpPr>
+          <p:cNvPr id="14" name="Прямоугольник 13"/>
+          <p:cNvSpPr/>
+          <p:nvPr/>
+        </p:nvSpPr>
+        <p:spPr>
+          <a:xfrm>
+            <a:off x="5913912" y="2172278"/>
+            <a:ext cx="1378904" cy="369332"/>
+          </a:xfrm>
+          <a:prstGeom prst="rect">
+            <a:avLst/>
+          </a:prstGeom>
+        </p:spPr>
+        <p:txBody>
+          <a:bodyPr wrap="none">
+            <a:spAutoFit/>
+          </a:bodyPr>
+          <a:lstStyle/>
+          <a:p>
+            <a:r>
+              <a:rPr lang="ru-RU" dirty="0" smtClean="0"/>
+              <a:t>Зв</a:t>
+            </a:r>
+            <a:r>
+              <a:rPr lang="uk-UA" dirty="0" smtClean="0"/>
+              <a:t>іти, плани</a:t>
+            </a:r>
+            <a:endParaRPr lang="ru-RU" dirty="0"/>
+          </a:p>
+        </p:txBody>
+      </p:sp>
+      <p:sp>
+        <p:nvSpPr>
+          <p:cNvPr id="15" name="Прямоугольник 14"/>
+          <p:cNvSpPr/>
+          <p:nvPr/>
+        </p:nvSpPr>
+        <p:spPr>
+          <a:xfrm>
+            <a:off x="3937965" y="4190264"/>
+            <a:ext cx="494046" cy="369332"/>
+          </a:xfrm>
+          <a:prstGeom prst="rect">
+            <a:avLst/>
+          </a:prstGeom>
+        </p:spPr>
+        <p:txBody>
+          <a:bodyPr wrap="none">
+            <a:spAutoFit/>
+          </a:bodyPr>
+          <a:lstStyle/>
+          <a:p>
+            <a:r>
+              <a:rPr lang="en-US" dirty="0" smtClean="0"/>
+              <a:t>API</a:t>
+            </a:r>
+            <a:endParaRPr lang="ru-RU" dirty="0"/>
+          </a:p>
+        </p:txBody>
+      </p:sp>
+      <p:sp>
+        <p:nvSpPr>
+          <p:cNvPr id="16" name="Прямоугольник 15"/>
+          <p:cNvSpPr/>
+          <p:nvPr/>
+        </p:nvSpPr>
+        <p:spPr>
+          <a:xfrm>
+            <a:off x="4374147" y="4185009"/>
+            <a:ext cx="1184812" cy="369332"/>
+          </a:xfrm>
+          <a:prstGeom prst="rect">
+            <a:avLst/>
+          </a:prstGeom>
+        </p:spPr>
+        <p:txBody>
+          <a:bodyPr wrap="none">
+            <a:spAutoFit/>
+          </a:bodyPr>
+          <a:lstStyle/>
+          <a:p>
+            <a:r>
+              <a:rPr lang="en-US" dirty="0" smtClean="0"/>
+              <a:t>Open Data</a:t>
+            </a:r>
+            <a:endParaRPr lang="ru-RU" dirty="0"/>
+          </a:p>
+        </p:txBody>
+      </p:sp>
+    </p:spTree>
+  </p:cSld>
+  <p:clrMapOvr>
+    <a:masterClrMapping/>
+  </p:clrMapOvr>
+</p:sld>
+</file>
+
+<file path=ppt/slides/slide6.xml><?xml version="1.0" encoding="utf-8"?>
+<p:sld xmlns:a="http://schemas.openxmlformats.org/drawingml/2006/main" xmlns:r="http://schemas.openxmlformats.org/officeDocument/2006/relationships" xmlns:p="http://schemas.openxmlformats.org/presentationml/2006/main">
+  <p:cSld>
+    <p:spTree>
+      <p:nvGrpSpPr>
+        <p:cNvPr id="1" name=""/>
+        <p:cNvGrpSpPr/>
+        <p:nvPr/>
+      </p:nvGrpSpPr>
+      <p:grpSpPr>
+        <a:xfrm>
+          <a:off x="0" y="0"/>
+          <a:ext cx="0" cy="0"/>
+          <a:chOff x="0" y="0"/>
+          <a:chExt cx="0" cy="0"/>
+        </a:xfrm>
+      </p:grpSpPr>
+      <p:sp>
+        <p:nvSpPr>
+          <p:cNvPr id="2" name="Заголовок 1"/>
+          <p:cNvSpPr>
+            <a:spLocks noGrp="1"/>
+          </p:cNvSpPr>
+          <p:nvPr>
+            <p:ph type="title"/>
+          </p:nvPr>
+        </p:nvSpPr>
+        <p:spPr/>
+        <p:txBody>
+          <a:bodyPr/>
+          <a:lstStyle/>
+          <a:p>
+            <a:pPr algn="ctr"/>
+            <a:r>
               <a:rPr lang="ru-RU" dirty="0" smtClean="0"/>
               <a:t>Аналоги</a:t>
             </a:r>
@@ -3648,13 +4768,20 @@
     </p:spTree>
     <p:extLst>
       <p:ext uri="{BB962C8B-B14F-4D97-AF65-F5344CB8AC3E}">
-        <p14:creationId xmlns:p14="http://schemas.microsoft.com/office/powerpoint/2010/main" val="3436238670"/>
+        <p14:creationId xmlns:p14="http://schemas.microsoft.com/office/powerpoint/2010/main" xmlns="" val="3436238670"/>
       </p:ext>
     </p:extLst>
   </p:cSld>
   <p:clrMapOvr>
     <a:masterClrMapping/>
   </p:clrMapOvr>
+  <p:timing>
+    <p:tnLst>
+      <p:par>
+        <p:cTn id="1" dur="indefinite" restart="never" nodeType="tmRoot"/>
+      </p:par>
+    </p:tnLst>
+  </p:timing>
 </p:sld>
 </file>
 
@@ -3701,7 +4828,7 @@
     </a:clrScheme>
     <a:fontScheme name="Тема Office">
       <a:majorFont>
-        <a:latin typeface="Calibri Light" panose="020F0302020204030204"/>
+        <a:latin typeface="Calibri Light"/>
         <a:ea typeface=""/>
         <a:cs typeface=""/>
         <a:font script="Jpan" typeface="ＭＳ Ｐゴシック"/>
@@ -3736,7 +4863,7 @@
         <a:font script="Geor" typeface="Sylfaen"/>
       </a:majorFont>
       <a:minorFont>
-        <a:latin typeface="Calibri" panose="020F0502020204030204"/>
+        <a:latin typeface="Calibri"/>
         <a:ea typeface=""/>
         <a:cs typeface=""/>
         <a:font script="Jpan" typeface="ＭＳ Ｐゴシック"/>
@@ -3913,7 +5040,7 @@
   <a:extraClrSchemeLst/>
   <a:extLst>
     <a:ext uri="{05A4C25C-085E-4340-85A3-A5531E510DB2}">
-      <thm15:themeFamily xmlns:thm15="http://schemas.microsoft.com/office/thememl/2012/main" name="Office Theme" id="{62F939B6-93AF-4DB8-9C6B-D6C7DFDC589F}" vid="{4A3C46E8-61CC-4603-A589-7422A47A8E4A}"/>
+      <thm15:themeFamily xmlns:thm15="http://schemas.microsoft.com/office/thememl/2012/main" xmlns="" name="Office Theme" id="{62F939B6-93AF-4DB8-9C6B-D6C7DFDC589F}" vid="{4A3C46E8-61CC-4603-A589-7422A47A8E4A}"/>
     </a:ext>
   </a:extLst>
 </a:theme>

--- a/Presentation.pptx
+++ b/Presentation.pptx
@@ -109,6 +109,22 @@
       </a:defRPr>
     </a:lvl9pPr>
   </p:defaultTextStyle>
+  <p:extLst>
+    <p:ext uri="{EFAFB233-063F-42B5-8137-9DF3F51BA10A}">
+      <p15:sldGuideLst xmlns:p15="http://schemas.microsoft.com/office/powerpoint/2012/main">
+        <p15:guide id="1" orient="horz" pos="2160">
+          <p15:clr>
+            <a:srgbClr val="A4A3A4"/>
+          </p15:clr>
+        </p15:guide>
+        <p15:guide id="2" pos="2880">
+          <p15:clr>
+            <a:srgbClr val="A4A3A4"/>
+          </p15:clr>
+        </p15:guide>
+      </p15:sldGuideLst>
+    </p:ext>
+  </p:extLst>
 </p:presentation>
 </file>
 
@@ -244,7 +260,7 @@
             <a:fld id="{CD61B48C-D83E-47F8-8257-20FB6A251A6E}" type="datetimeFigureOut">
               <a:rPr lang="uk-UA" smtClean="0"/>
               <a:pPr/>
-              <a:t>06.02.2016</a:t>
+              <a:t>07.02.2016</a:t>
             </a:fld>
             <a:endParaRPr lang="uk-UA"/>
           </a:p>
@@ -296,7 +312,7 @@
     </p:spTree>
     <p:extLst>
       <p:ext uri="{BB962C8B-B14F-4D97-AF65-F5344CB8AC3E}">
-        <p14:creationId xmlns:p14="http://schemas.microsoft.com/office/powerpoint/2010/main" xmlns="" val="2540866421"/>
+        <p14:creationId xmlns:p14="http://schemas.microsoft.com/office/powerpoint/2010/main" val="2540866421"/>
       </p:ext>
     </p:extLst>
   </p:cSld>
@@ -416,7 +432,7 @@
             <a:fld id="{CD61B48C-D83E-47F8-8257-20FB6A251A6E}" type="datetimeFigureOut">
               <a:rPr lang="uk-UA" smtClean="0"/>
               <a:pPr/>
-              <a:t>06.02.2016</a:t>
+              <a:t>07.02.2016</a:t>
             </a:fld>
             <a:endParaRPr lang="uk-UA"/>
           </a:p>
@@ -468,7 +484,7 @@
     </p:spTree>
     <p:extLst>
       <p:ext uri="{BB962C8B-B14F-4D97-AF65-F5344CB8AC3E}">
-        <p14:creationId xmlns:p14="http://schemas.microsoft.com/office/powerpoint/2010/main" xmlns="" val="3163908554"/>
+        <p14:creationId xmlns:p14="http://schemas.microsoft.com/office/powerpoint/2010/main" val="3163908554"/>
       </p:ext>
     </p:extLst>
   </p:cSld>
@@ -598,7 +614,7 @@
             <a:fld id="{CD61B48C-D83E-47F8-8257-20FB6A251A6E}" type="datetimeFigureOut">
               <a:rPr lang="uk-UA" smtClean="0"/>
               <a:pPr/>
-              <a:t>06.02.2016</a:t>
+              <a:t>07.02.2016</a:t>
             </a:fld>
             <a:endParaRPr lang="uk-UA"/>
           </a:p>
@@ -650,7 +666,7 @@
     </p:spTree>
     <p:extLst>
       <p:ext uri="{BB962C8B-B14F-4D97-AF65-F5344CB8AC3E}">
-        <p14:creationId xmlns:p14="http://schemas.microsoft.com/office/powerpoint/2010/main" xmlns="" val="2921960266"/>
+        <p14:creationId xmlns:p14="http://schemas.microsoft.com/office/powerpoint/2010/main" val="2921960266"/>
       </p:ext>
     </p:extLst>
   </p:cSld>
@@ -770,7 +786,7 @@
             <a:fld id="{CD61B48C-D83E-47F8-8257-20FB6A251A6E}" type="datetimeFigureOut">
               <a:rPr lang="uk-UA" smtClean="0"/>
               <a:pPr/>
-              <a:t>06.02.2016</a:t>
+              <a:t>07.02.2016</a:t>
             </a:fld>
             <a:endParaRPr lang="uk-UA"/>
           </a:p>
@@ -822,7 +838,7 @@
     </p:spTree>
     <p:extLst>
       <p:ext uri="{BB962C8B-B14F-4D97-AF65-F5344CB8AC3E}">
-        <p14:creationId xmlns:p14="http://schemas.microsoft.com/office/powerpoint/2010/main" xmlns="" val="3666268349"/>
+        <p14:creationId xmlns:p14="http://schemas.microsoft.com/office/powerpoint/2010/main" val="3666268349"/>
       </p:ext>
     </p:extLst>
   </p:cSld>
@@ -1016,7 +1032,7 @@
             <a:fld id="{CD61B48C-D83E-47F8-8257-20FB6A251A6E}" type="datetimeFigureOut">
               <a:rPr lang="uk-UA" smtClean="0"/>
               <a:pPr/>
-              <a:t>06.02.2016</a:t>
+              <a:t>07.02.2016</a:t>
             </a:fld>
             <a:endParaRPr lang="uk-UA"/>
           </a:p>
@@ -1068,7 +1084,7 @@
     </p:spTree>
     <p:extLst>
       <p:ext uri="{BB962C8B-B14F-4D97-AF65-F5344CB8AC3E}">
-        <p14:creationId xmlns:p14="http://schemas.microsoft.com/office/powerpoint/2010/main" xmlns="" val="4203734170"/>
+        <p14:creationId xmlns:p14="http://schemas.microsoft.com/office/powerpoint/2010/main" val="4203734170"/>
       </p:ext>
     </p:extLst>
   </p:cSld>
@@ -1250,7 +1266,7 @@
             <a:fld id="{CD61B48C-D83E-47F8-8257-20FB6A251A6E}" type="datetimeFigureOut">
               <a:rPr lang="uk-UA" smtClean="0"/>
               <a:pPr/>
-              <a:t>06.02.2016</a:t>
+              <a:t>07.02.2016</a:t>
             </a:fld>
             <a:endParaRPr lang="uk-UA"/>
           </a:p>
@@ -1302,7 +1318,7 @@
     </p:spTree>
     <p:extLst>
       <p:ext uri="{BB962C8B-B14F-4D97-AF65-F5344CB8AC3E}">
-        <p14:creationId xmlns:p14="http://schemas.microsoft.com/office/powerpoint/2010/main" xmlns="" val="3414491519"/>
+        <p14:creationId xmlns:p14="http://schemas.microsoft.com/office/powerpoint/2010/main" val="3414491519"/>
       </p:ext>
     </p:extLst>
   </p:cSld>
@@ -1619,7 +1635,7 @@
             <a:fld id="{CD61B48C-D83E-47F8-8257-20FB6A251A6E}" type="datetimeFigureOut">
               <a:rPr lang="uk-UA" smtClean="0"/>
               <a:pPr/>
-              <a:t>06.02.2016</a:t>
+              <a:t>07.02.2016</a:t>
             </a:fld>
             <a:endParaRPr lang="uk-UA"/>
           </a:p>
@@ -1671,7 +1687,7 @@
     </p:spTree>
     <p:extLst>
       <p:ext uri="{BB962C8B-B14F-4D97-AF65-F5344CB8AC3E}">
-        <p14:creationId xmlns:p14="http://schemas.microsoft.com/office/powerpoint/2010/main" xmlns="" val="3244311563"/>
+        <p14:creationId xmlns:p14="http://schemas.microsoft.com/office/powerpoint/2010/main" val="3244311563"/>
       </p:ext>
     </p:extLst>
   </p:cSld>
@@ -1739,7 +1755,7 @@
             <a:fld id="{CD61B48C-D83E-47F8-8257-20FB6A251A6E}" type="datetimeFigureOut">
               <a:rPr lang="uk-UA" smtClean="0"/>
               <a:pPr/>
-              <a:t>06.02.2016</a:t>
+              <a:t>07.02.2016</a:t>
             </a:fld>
             <a:endParaRPr lang="uk-UA"/>
           </a:p>
@@ -1791,7 +1807,7 @@
     </p:spTree>
     <p:extLst>
       <p:ext uri="{BB962C8B-B14F-4D97-AF65-F5344CB8AC3E}">
-        <p14:creationId xmlns:p14="http://schemas.microsoft.com/office/powerpoint/2010/main" xmlns="" val="2028804097"/>
+        <p14:creationId xmlns:p14="http://schemas.microsoft.com/office/powerpoint/2010/main" val="2028804097"/>
       </p:ext>
     </p:extLst>
   </p:cSld>
@@ -1836,7 +1852,7 @@
             <a:fld id="{CD61B48C-D83E-47F8-8257-20FB6A251A6E}" type="datetimeFigureOut">
               <a:rPr lang="uk-UA" smtClean="0"/>
               <a:pPr/>
-              <a:t>06.02.2016</a:t>
+              <a:t>07.02.2016</a:t>
             </a:fld>
             <a:endParaRPr lang="uk-UA"/>
           </a:p>
@@ -1888,7 +1904,7 @@
     </p:spTree>
     <p:extLst>
       <p:ext uri="{BB962C8B-B14F-4D97-AF65-F5344CB8AC3E}">
-        <p14:creationId xmlns:p14="http://schemas.microsoft.com/office/powerpoint/2010/main" xmlns="" val="1285547294"/>
+        <p14:creationId xmlns:p14="http://schemas.microsoft.com/office/powerpoint/2010/main" val="1285547294"/>
       </p:ext>
     </p:extLst>
   </p:cSld>
@@ -2115,7 +2131,7 @@
             <a:fld id="{CD61B48C-D83E-47F8-8257-20FB6A251A6E}" type="datetimeFigureOut">
               <a:rPr lang="uk-UA" smtClean="0"/>
               <a:pPr/>
-              <a:t>06.02.2016</a:t>
+              <a:t>07.02.2016</a:t>
             </a:fld>
             <a:endParaRPr lang="uk-UA"/>
           </a:p>
@@ -2167,7 +2183,7 @@
     </p:spTree>
     <p:extLst>
       <p:ext uri="{BB962C8B-B14F-4D97-AF65-F5344CB8AC3E}">
-        <p14:creationId xmlns:p14="http://schemas.microsoft.com/office/powerpoint/2010/main" xmlns="" val="3508942129"/>
+        <p14:creationId xmlns:p14="http://schemas.microsoft.com/office/powerpoint/2010/main" val="3508942129"/>
       </p:ext>
     </p:extLst>
   </p:cSld>
@@ -2374,7 +2390,7 @@
             <a:fld id="{CD61B48C-D83E-47F8-8257-20FB6A251A6E}" type="datetimeFigureOut">
               <a:rPr lang="uk-UA" smtClean="0"/>
               <a:pPr/>
-              <a:t>06.02.2016</a:t>
+              <a:t>07.02.2016</a:t>
             </a:fld>
             <a:endParaRPr lang="uk-UA"/>
           </a:p>
@@ -2426,7 +2442,7 @@
     </p:spTree>
     <p:extLst>
       <p:ext uri="{BB962C8B-B14F-4D97-AF65-F5344CB8AC3E}">
-        <p14:creationId xmlns:p14="http://schemas.microsoft.com/office/powerpoint/2010/main" xmlns="" val="1496426777"/>
+        <p14:creationId xmlns:p14="http://schemas.microsoft.com/office/powerpoint/2010/main" val="1496426777"/>
       </p:ext>
     </p:extLst>
   </p:cSld>
@@ -2589,7 +2605,7 @@
             <a:fld id="{CD61B48C-D83E-47F8-8257-20FB6A251A6E}" type="datetimeFigureOut">
               <a:rPr lang="uk-UA" smtClean="0"/>
               <a:pPr/>
-              <a:t>06.02.2016</a:t>
+              <a:t>07.02.2016</a:t>
             </a:fld>
             <a:endParaRPr lang="uk-UA"/>
           </a:p>
@@ -2677,7 +2693,7 @@
     </p:spTree>
     <p:extLst>
       <p:ext uri="{BB962C8B-B14F-4D97-AF65-F5344CB8AC3E}">
-        <p14:creationId xmlns:p14="http://schemas.microsoft.com/office/powerpoint/2010/main" xmlns="" val="446163071"/>
+        <p14:creationId xmlns:p14="http://schemas.microsoft.com/office/powerpoint/2010/main" val="446163071"/>
       </p:ext>
     </p:extLst>
   </p:cSld>
@@ -3014,15 +3030,7 @@
           <a:p>
             <a:r>
               <a:rPr lang="uk-UA" dirty="0" smtClean="0"/>
-              <a:t>Сервіс пошуку постачальника </a:t>
-            </a:r>
-            <a:r>
-              <a:rPr lang="uk-UA" dirty="0" smtClean="0"/>
-              <a:t>е</a:t>
-            </a:r>
-            <a:r>
-              <a:rPr lang="uk-UA" dirty="0" smtClean="0"/>
-              <a:t>лектроенергії</a:t>
+              <a:t>Сервіс пошуку постачальника електроенергії</a:t>
             </a:r>
             <a:endParaRPr lang="uk-UA" dirty="0"/>
           </a:p>
@@ -3055,25 +3063,13 @@
             <a:r>
               <a:rPr lang="uk-UA" dirty="0" smtClean="0"/>
               <a:t> Олександр</a:t>
-            </a:r>
-            <a:r>
-              <a:rPr lang="uk-UA" dirty="0" smtClean="0"/>
-              <a:t/>
             </a:r>
             <a:br>
               <a:rPr lang="uk-UA" dirty="0" smtClean="0"/>
             </a:br>
             <a:r>
               <a:rPr lang="uk-UA" dirty="0" smtClean="0"/>
-              <a:t>Кафедра автоматизації </a:t>
-            </a:r>
-            <a:r>
-              <a:rPr lang="uk-UA" dirty="0" smtClean="0"/>
-              <a:t>е</a:t>
-            </a:r>
-            <a:r>
-              <a:rPr lang="uk-UA" dirty="0" smtClean="0"/>
-              <a:t>нергосистем НТУУ “КПІ”</a:t>
+              <a:t>Кафедра автоматизації енергосистем НТУУ “КПІ”</a:t>
             </a:r>
             <a:endParaRPr lang="uk-UA" dirty="0"/>
           </a:p>
@@ -3082,7 +3078,7 @@
     </p:spTree>
     <p:extLst>
       <p:ext uri="{BB962C8B-B14F-4D97-AF65-F5344CB8AC3E}">
-        <p14:creationId xmlns:p14="http://schemas.microsoft.com/office/powerpoint/2010/main" xmlns="" val="1804826156"/>
+        <p14:creationId xmlns:p14="http://schemas.microsoft.com/office/powerpoint/2010/main" val="1804826156"/>
       </p:ext>
     </p:extLst>
   </p:cSld>
@@ -3187,7 +3183,7 @@
     </p:spTree>
     <p:extLst>
       <p:ext uri="{BB962C8B-B14F-4D97-AF65-F5344CB8AC3E}">
-        <p14:creationId xmlns:p14="http://schemas.microsoft.com/office/powerpoint/2010/main" xmlns="" val="4030546024"/>
+        <p14:creationId xmlns:p14="http://schemas.microsoft.com/office/powerpoint/2010/main" val="4030546024"/>
       </p:ext>
     </p:extLst>
   </p:cSld>
@@ -4041,7 +4037,7 @@
     </p:spTree>
     <p:extLst>
       <p:ext uri="{BB962C8B-B14F-4D97-AF65-F5344CB8AC3E}">
-        <p14:creationId xmlns:p14="http://schemas.microsoft.com/office/powerpoint/2010/main" xmlns="" val="3012559812"/>
+        <p14:creationId xmlns:p14="http://schemas.microsoft.com/office/powerpoint/2010/main" val="3012559812"/>
       </p:ext>
     </p:extLst>
   </p:cSld>
@@ -4768,7 +4764,7 @@
     </p:spTree>
     <p:extLst>
       <p:ext uri="{BB962C8B-B14F-4D97-AF65-F5344CB8AC3E}">
-        <p14:creationId xmlns:p14="http://schemas.microsoft.com/office/powerpoint/2010/main" xmlns="" val="3436238670"/>
+        <p14:creationId xmlns:p14="http://schemas.microsoft.com/office/powerpoint/2010/main" val="3436238670"/>
       </p:ext>
     </p:extLst>
   </p:cSld>
@@ -5040,7 +5036,7 @@
   <a:extraClrSchemeLst/>
   <a:extLst>
     <a:ext uri="{05A4C25C-085E-4340-85A3-A5531E510DB2}">
-      <thm15:themeFamily xmlns:thm15="http://schemas.microsoft.com/office/thememl/2012/main" xmlns="" name="Office Theme" id="{62F939B6-93AF-4DB8-9C6B-D6C7DFDC589F}" vid="{4A3C46E8-61CC-4603-A589-7422A47A8E4A}"/>
+      <thm15:themeFamily xmlns:thm15="http://schemas.microsoft.com/office/thememl/2012/main" name="Office Theme" id="{62F939B6-93AF-4DB8-9C6B-D6C7DFDC589F}" vid="{4A3C46E8-61CC-4603-A589-7422A47A8E4A}"/>
     </a:ext>
   </a:extLst>
 </a:theme>

--- a/Presentation.pptx
+++ b/Presentation.pptx
@@ -4629,15 +4629,17 @@
         </p:nvSpPr>
         <p:spPr/>
         <p:txBody>
-          <a:bodyPr/>
+          <a:bodyPr>
+            <a:normAutofit/>
+          </a:bodyPr>
           <a:lstStyle/>
           <a:p>
             <a:pPr algn="ctr"/>
             <a:r>
-              <a:rPr lang="ru-RU" dirty="0" smtClean="0"/>
+              <a:rPr lang="ru-RU" sz="6000" b="1" dirty="0" smtClean="0"/>
               <a:t>Аналоги</a:t>
             </a:r>
-            <a:endParaRPr lang="uk-UA" dirty="0"/>
+            <a:endParaRPr lang="uk-UA" sz="6000" b="1" dirty="0"/>
           </a:p>
         </p:txBody>
       </p:sp>
